--- a/차량소형대형분류_보고서_V1.0.pptx
+++ b/차량소형대형분류_보고서_V1.0.pptx
@@ -247,7 +247,7 @@
           <a:p>
             <a:fld id="{4BBBCA84-884A-4990-B4B7-7C892AB4BE20}" type="datetimeFigureOut">
               <a:rPr lang="ko-KR" altLang="en-US" smtClean="0"/>
-              <a:t>2021-03-10</a:t>
+              <a:t>2021-03-15</a:t>
             </a:fld>
             <a:endParaRPr lang="ko-KR" altLang="en-US"/>
           </a:p>
@@ -594,7 +594,7 @@
           <a:p>
             <a:fld id="{07719A32-527B-4108-A498-F4E1C0CFB8F3}" type="datetimeFigureOut">
               <a:rPr lang="ko-KR" altLang="en-US" smtClean="0"/>
-              <a:t>2021-03-10</a:t>
+              <a:t>2021-03-15</a:t>
             </a:fld>
             <a:endParaRPr lang="ko-KR" altLang="en-US"/>
           </a:p>
@@ -904,7 +904,7 @@
           <a:p>
             <a:fld id="{07719A32-527B-4108-A498-F4E1C0CFB8F3}" type="datetimeFigureOut">
               <a:rPr lang="ko-KR" altLang="en-US" smtClean="0"/>
-              <a:t>2021-03-10</a:t>
+              <a:t>2021-03-15</a:t>
             </a:fld>
             <a:endParaRPr lang="ko-KR" altLang="en-US"/>
           </a:p>
@@ -1190,7 +1190,7 @@
           <a:p>
             <a:fld id="{07719A32-527B-4108-A498-F4E1C0CFB8F3}" type="datetimeFigureOut">
               <a:rPr lang="ko-KR" altLang="en-US" smtClean="0"/>
-              <a:t>2021-03-10</a:t>
+              <a:t>2021-03-15</a:t>
             </a:fld>
             <a:endParaRPr lang="ko-KR" altLang="en-US"/>
           </a:p>
@@ -1400,7 +1400,7 @@
           <a:p>
             <a:fld id="{07719A32-527B-4108-A498-F4E1C0CFB8F3}" type="datetimeFigureOut">
               <a:rPr lang="ko-KR" altLang="en-US" smtClean="0"/>
-              <a:t>2021-03-10</a:t>
+              <a:t>2021-03-15</a:t>
             </a:fld>
             <a:endParaRPr lang="ko-KR" altLang="en-US"/>
           </a:p>
@@ -1610,7 +1610,7 @@
           <a:p>
             <a:fld id="{07719A32-527B-4108-A498-F4E1C0CFB8F3}" type="datetimeFigureOut">
               <a:rPr lang="ko-KR" altLang="en-US" smtClean="0"/>
-              <a:t>2021-03-10</a:t>
+              <a:t>2021-03-15</a:t>
             </a:fld>
             <a:endParaRPr lang="ko-KR" altLang="en-US"/>
           </a:p>
@@ -1917,7 +1917,7 @@
           <a:p>
             <a:fld id="{07719A32-527B-4108-A498-F4E1C0CFB8F3}" type="datetimeFigureOut">
               <a:rPr lang="ko-KR" altLang="en-US" smtClean="0"/>
-              <a:t>2021-03-10</a:t>
+              <a:t>2021-03-15</a:t>
             </a:fld>
             <a:endParaRPr lang="ko-KR" altLang="en-US"/>
           </a:p>
@@ -2200,7 +2200,7 @@
           <a:p>
             <a:fld id="{07719A32-527B-4108-A498-F4E1C0CFB8F3}" type="datetimeFigureOut">
               <a:rPr lang="ko-KR" altLang="en-US" smtClean="0"/>
-              <a:t>2021-03-10</a:t>
+              <a:t>2021-03-15</a:t>
             </a:fld>
             <a:endParaRPr lang="ko-KR" altLang="en-US"/>
           </a:p>
@@ -2470,7 +2470,7 @@
           <a:p>
             <a:fld id="{07719A32-527B-4108-A498-F4E1C0CFB8F3}" type="datetimeFigureOut">
               <a:rPr lang="ko-KR" altLang="en-US" smtClean="0"/>
-              <a:t>2021-03-10</a:t>
+              <a:t>2021-03-15</a:t>
             </a:fld>
             <a:endParaRPr lang="ko-KR" altLang="en-US"/>
           </a:p>
@@ -2876,7 +2876,7 @@
           <a:p>
             <a:fld id="{07719A32-527B-4108-A498-F4E1C0CFB8F3}" type="datetimeFigureOut">
               <a:rPr lang="ko-KR" altLang="en-US" smtClean="0"/>
-              <a:t>2021-03-10</a:t>
+              <a:t>2021-03-15</a:t>
             </a:fld>
             <a:endParaRPr lang="ko-KR" altLang="en-US"/>
           </a:p>
@@ -3026,7 +3026,7 @@
           <a:p>
             <a:fld id="{07719A32-527B-4108-A498-F4E1C0CFB8F3}" type="datetimeFigureOut">
               <a:rPr lang="ko-KR" altLang="en-US" smtClean="0"/>
-              <a:t>2021-03-10</a:t>
+              <a:t>2021-03-15</a:t>
             </a:fld>
             <a:endParaRPr lang="ko-KR" altLang="en-US"/>
           </a:p>
@@ -4329,7 +4329,7 @@
     <mc:Choice Requires="p14">
       <p:transition spd="slow" p14:dur="2000"/>
     </mc:Choice>
-    <mc:Fallback xmlns="" xmlns:p15="http://schemas.microsoft.com/office/powerpoint/2012/main">
+    <mc:Fallback xmlns:p15="http://schemas.microsoft.com/office/powerpoint/2012/main" xmlns="">
       <p:transition spd="slow"/>
     </mc:Fallback>
   </mc:AlternateContent>
@@ -4377,11 +4377,7 @@
           <a:p>
             <a:r>
               <a:rPr lang="ko-KR" altLang="en-US" sz="2800" b="1" dirty="0" smtClean="0"/>
-              <a:t>시스템 응용 </a:t>
-            </a:r>
-            <a:r>
-              <a:rPr lang="ko-KR" altLang="en-US" sz="2800" b="1" dirty="0" smtClean="0"/>
-              <a:t>분야</a:t>
+              <a:t>시스템 응용 분야</a:t>
             </a:r>
             <a:endParaRPr lang="ko-KR" altLang="en-US" sz="2800" b="1" dirty="0"/>
           </a:p>
@@ -8624,7 +8620,7 @@
     <mc:Choice Requires="p14">
       <p:transition spd="slow" p14:dur="2000"/>
     </mc:Choice>
-    <mc:Fallback xmlns="" xmlns:p15="http://schemas.microsoft.com/office/powerpoint/2012/main">
+    <mc:Fallback xmlns:p15="http://schemas.microsoft.com/office/powerpoint/2012/main" xmlns="">
       <p:transition spd="slow"/>
     </mc:Fallback>
   </mc:AlternateContent>
@@ -9139,7 +9135,7 @@
     <mc:Choice Requires="p14">
       <p:transition spd="slow" p14:dur="2000"/>
     </mc:Choice>
-    <mc:Fallback xmlns="" xmlns:p15="http://schemas.microsoft.com/office/powerpoint/2012/main">
+    <mc:Fallback xmlns:p15="http://schemas.microsoft.com/office/powerpoint/2012/main" xmlns="">
       <p:transition spd="slow"/>
     </mc:Fallback>
   </mc:AlternateContent>
@@ -10356,31 +10352,31 @@
               <a:t>/ </a:t>
             </a:r>
             <a:r>
-              <a:rPr lang="ko-KR" altLang="en-US" sz="1800" dirty="0" err="1" smtClean="0"/>
+              <a:rPr lang="ko-KR" altLang="en-US" sz="1800" err="1" smtClean="0"/>
               <a:t>오인</a:t>
             </a:r>
             <a:r>
-              <a:rPr lang="ko-KR" altLang="en-US" sz="1800" dirty="0" err="1"/>
+              <a:rPr lang="ko-KR" altLang="en-US" sz="1800" err="1"/>
               <a:t>식</a:t>
             </a:r>
             <a:r>
-              <a:rPr lang="ko-KR" altLang="en-US" sz="1800" dirty="0" smtClean="0"/>
+              <a:rPr lang="ko-KR" altLang="en-US" sz="1800" smtClean="0"/>
               <a:t> </a:t>
             </a:r>
             <a:r>
-              <a:rPr lang="en-US" altLang="ko-KR" sz="1800" dirty="0" smtClean="0"/>
-              <a:t>0.06%</a:t>
-            </a:r>
-            <a:r>
-              <a:rPr lang="ko-KR" altLang="en-US" sz="1800" dirty="0" smtClean="0"/>
+              <a:rPr lang="en-US" altLang="ko-KR" sz="1800" smtClean="0"/>
+              <a:t>0.08%</a:t>
+            </a:r>
+            <a:r>
+              <a:rPr lang="ko-KR" altLang="en-US" sz="1800" smtClean="0"/>
               <a:t> </a:t>
             </a:r>
             <a:r>
-              <a:rPr lang="en-US" altLang="ko-KR" sz="1800" dirty="0" smtClean="0"/>
-              <a:t>(2</a:t>
-            </a:r>
-            <a:r>
-              <a:rPr lang="ko-KR" altLang="en-US" sz="1800" dirty="0" smtClean="0"/>
+              <a:rPr lang="en-US" altLang="ko-KR" sz="1800" smtClean="0"/>
+              <a:t>(3</a:t>
+            </a:r>
+            <a:r>
+              <a:rPr lang="ko-KR" altLang="en-US" sz="1800" smtClean="0"/>
               <a:t>건</a:t>
             </a:r>
             <a:r>
@@ -14443,7 +14439,7 @@
         </p:blipFill>
         <p:spPr>
           <a:xfrm>
-            <a:off x="3392224" y="1583823"/>
+            <a:off x="6844872" y="1583823"/>
             <a:ext cx="2614980" cy="1961235"/>
           </a:xfrm>
           <a:prstGeom prst="rect">
@@ -14459,7 +14455,7 @@
         </p:nvSpPr>
         <p:spPr>
           <a:xfrm>
-            <a:off x="955024" y="3619119"/>
+            <a:off x="2510839" y="3619119"/>
             <a:ext cx="1532872" cy="161583"/>
           </a:xfrm>
           <a:prstGeom prst="rect">
@@ -14580,7 +14576,7 @@
         </p:nvSpPr>
         <p:spPr>
           <a:xfrm>
-            <a:off x="3933278" y="3619119"/>
+            <a:off x="7385926" y="3619119"/>
             <a:ext cx="1532872" cy="161583"/>
           </a:xfrm>
           <a:prstGeom prst="rect">
@@ -14967,6 +14963,36 @@
           </a:p>
         </p:txBody>
       </p:sp>
+      <p:pic>
+        <p:nvPicPr>
+          <p:cNvPr id="2" name="그림 1"/>
+          <p:cNvPicPr>
+            <a:picLocks noChangeAspect="1"/>
+          </p:cNvPicPr>
+          <p:nvPr/>
+        </p:nvPicPr>
+        <p:blipFill>
+          <a:blip r:embed="rId7" cstate="print">
+            <a:extLst>
+              <a:ext uri="{28A0092B-C50C-407E-A947-70E740481C1C}">
+                <a14:useLocalDpi xmlns:a14="http://schemas.microsoft.com/office/drawing/2010/main" val="0"/>
+              </a:ext>
+            </a:extLst>
+          </a:blip>
+          <a:stretch>
+            <a:fillRect/>
+          </a:stretch>
+        </p:blipFill>
+        <p:spPr>
+          <a:xfrm>
+            <a:off x="3277275" y="1583823"/>
+            <a:ext cx="2614980" cy="1961235"/>
+          </a:xfrm>
+          <a:prstGeom prst="rect">
+            <a:avLst/>
+          </a:prstGeom>
+        </p:spPr>
+      </p:pic>
     </p:spTree>
     <p:extLst>
       <p:ext uri="{BB962C8B-B14F-4D97-AF65-F5344CB8AC3E}">
